--- a/Build3/Project Build 3 – Team 19.pptx
+++ b/Build3/Project Build 3 – Team 19.pptx
@@ -238,7 +238,7 @@
           <a:p>
             <a:fld id="{7487ADD9-2083-264C-A652-8D52D02F7E72}" type="datetimeFigureOut">
               <a:rPr lang="en-US" smtClean="0"/>
-              <a:t>4/6/24</a:t>
+              <a:t>4/8/2024</a:t>
             </a:fld>
             <a:endParaRPr lang="en-US" dirty="0"/>
           </a:p>
@@ -2498,7 +2498,7 @@
           <a:p>
             <a:fld id="{AE46C21D-EBB5-4F3D-B06D-166777189317}" type="datetime1">
               <a:rPr lang="en-US" smtClean="0"/>
-              <a:t>4/6/24</a:t>
+              <a:t>4/8/2024</a:t>
             </a:fld>
             <a:endParaRPr lang="en-US" dirty="0"/>
           </a:p>
@@ -3382,7 +3382,7 @@
           <a:p>
             <a:fld id="{1DFFEA26-EB1D-498C-95CD-1ECE586790AA}" type="datetime1">
               <a:rPr lang="en-US" smtClean="0"/>
-              <a:t>4/6/24</a:t>
+              <a:t>4/8/2024</a:t>
             </a:fld>
             <a:endParaRPr lang="en-US" dirty="0"/>
           </a:p>
@@ -4558,7 +4558,7 @@
           <a:p>
             <a:fld id="{539842EE-D56F-4F18-94E7-094CEF23F906}" type="datetime1">
               <a:rPr lang="en-US" smtClean="0"/>
-              <a:t>4/6/24</a:t>
+              <a:t>4/8/2024</a:t>
             </a:fld>
             <a:endParaRPr lang="en-US" dirty="0"/>
           </a:p>
@@ -6637,7 +6637,7 @@
           <a:p>
             <a:fld id="{45B08281-154C-4FEF-A6DF-18BA3AC0F374}" type="datetime1">
               <a:rPr lang="en-US" smtClean="0"/>
-              <a:t>4/6/24</a:t>
+              <a:t>4/8/2024</a:t>
             </a:fld>
             <a:endParaRPr lang="en-US" dirty="0"/>
           </a:p>
@@ -7354,7 +7354,7 @@
           <a:p>
             <a:fld id="{04D857D4-BD7E-4A06-844B-AAD504F1114F}" type="datetime1">
               <a:rPr lang="en-US" smtClean="0"/>
-              <a:t>4/6/24</a:t>
+              <a:t>4/8/2024</a:t>
             </a:fld>
             <a:endParaRPr lang="en-US" dirty="0"/>
           </a:p>
@@ -8581,7 +8581,7 @@
           <a:p>
             <a:fld id="{916AFA50-87A4-4E99-B112-8C6B1DFB84B2}" type="datetime1">
               <a:rPr lang="en-US" smtClean="0"/>
-              <a:t>4/6/24</a:t>
+              <a:t>4/8/2024</a:t>
             </a:fld>
             <a:endParaRPr lang="en-US" dirty="0"/>
           </a:p>
@@ -9172,7 +9172,7 @@
           <a:p>
             <a:fld id="{6B3905CA-BF0F-4A1B-AA0D-85E42F5D5A85}" type="datetime1">
               <a:rPr lang="en-US" smtClean="0"/>
-              <a:t>4/6/24</a:t>
+              <a:t>4/8/2024</a:t>
             </a:fld>
             <a:endParaRPr lang="en-US" dirty="0"/>
           </a:p>
@@ -9644,7 +9644,7 @@
           <a:p>
             <a:fld id="{D3DA9A77-60C0-4BB8-898D-2828EE4073AD}" type="datetime1">
               <a:rPr lang="en-US" smtClean="0"/>
-              <a:t>4/6/24</a:t>
+              <a:t>4/8/2024</a:t>
             </a:fld>
             <a:endParaRPr lang="en-US" dirty="0"/>
           </a:p>
@@ -10493,7 +10493,7 @@
           <a:p>
             <a:fld id="{C1F30CD5-42B1-4614-9F46-5D29928CC2DB}" type="datetime1">
               <a:rPr lang="en-US" smtClean="0"/>
-              <a:t>4/6/24</a:t>
+              <a:t>4/8/2024</a:t>
             </a:fld>
             <a:endParaRPr lang="en-US" dirty="0"/>
           </a:p>
@@ -12717,7 +12717,7 @@
           <a:p>
             <a:fld id="{EE6020E3-D95B-4E55-964F-4B1A98BDAA6F}" type="datetime1">
               <a:rPr lang="en-US" smtClean="0"/>
-              <a:t>4/6/24</a:t>
+              <a:t>4/8/2024</a:t>
             </a:fld>
             <a:endParaRPr lang="en-US" dirty="0"/>
           </a:p>
@@ -12985,7 +12985,7 @@
           <a:p>
             <a:fld id="{FC9A72C8-1C87-42EF-8A11-BF6DFA19ED8B}" type="datetime1">
               <a:rPr lang="en-US" smtClean="0"/>
-              <a:t>4/6/24</a:t>
+              <a:t>4/8/2024</a:t>
             </a:fld>
             <a:endParaRPr lang="en-US" dirty="0"/>
           </a:p>
@@ -13572,7 +13572,7 @@
                 <a:ea typeface="+mj-ea"/>
                 <a:cs typeface="+mj-cs"/>
               </a:rPr>
-              <a:t>Project Build 2</a:t>
+              <a:t>Project Build 3</a:t>
             </a:r>
             <a:r>
               <a:rPr lang="en-CA" sz="3200" b="1" kern="1200" dirty="0">
@@ -14424,14 +14424,9 @@
           </a:bodyPr>
           <a:lstStyle/>
           <a:p>
-            <a:pPr>
-              <a:spcAft>
-                <a:spcPts val="600"/>
-              </a:spcAft>
-            </a:pPr>
-            <a:r>
-              <a:rPr lang="en-US"/>
-              <a:t>PRESENTATION TITLE</a:t>
+            <a:r>
+              <a:rPr lang="en-US" dirty="0"/>
+              <a:t>Advanced Programming Practices (SOEN 6441) – Team 19</a:t>
             </a:r>
           </a:p>
         </p:txBody>
@@ -16239,10 +16234,9 @@
           <a:lstStyle/>
           <a:p>
             <a:r>
-              <a:rPr lang="en-US"/>
-              <a:t>PRESENTATION TITLE</a:t>
-            </a:r>
-            <a:endParaRPr lang="en-US" dirty="0"/>
+              <a:rPr lang="en-US" dirty="0"/>
+              <a:t>Advanced Programming Practices (SOEN 6441) – Team 19</a:t>
+            </a:r>
           </a:p>
         </p:txBody>
       </p:sp>
@@ -16938,7 +16932,7 @@
           <a:p>
             <a:r>
               <a:rPr lang="en-US" dirty="0"/>
-              <a:t>Project Build 2 – Team 19</a:t>
+              <a:t>Project Build 3 – Team 19</a:t>
             </a:r>
           </a:p>
         </p:txBody>
@@ -17695,15 +17689,6 @@
           <a:solidFill>
             <a:srgbClr val="FFFFFF"/>
           </a:solidFill>
-          <a:extLst>
-            <a:ext uri="{909E8E84-426E-40DD-AFC4-6F175D3DCCD1}">
-              <a14:hiddenFill xmlns:a14="http://schemas.microsoft.com/office/drawing/2010/main">
-                <a:solidFill>
-                  <a:srgbClr val="FFFFFF"/>
-                </a:solidFill>
-              </a14:hiddenFill>
-            </a:ext>
-          </a:extLst>
         </p:spPr>
       </p:pic>
       <p:sp>
@@ -18162,10 +18147,9 @@
           <a:lstStyle/>
           <a:p>
             <a:r>
-              <a:rPr lang="en-US"/>
-              <a:t>PRESENTATION TITLE</a:t>
-            </a:r>
-            <a:endParaRPr lang="en-US" dirty="0"/>
+              <a:rPr lang="en-US" dirty="0"/>
+              <a:t>Advanced Programming Practices (SOEN 6441) – Team 19</a:t>
+            </a:r>
           </a:p>
         </p:txBody>
       </p:sp>
@@ -18288,7 +18272,7 @@
         </p:spPr>
         <p:txBody>
           <a:bodyPr>
-            <a:normAutofit fontScale="92500" lnSpcReduction="10000"/>
+            <a:normAutofit fontScale="85000" lnSpcReduction="20000"/>
           </a:bodyPr>
           <a:lstStyle/>
           <a:p>
@@ -18308,7 +18292,7 @@
             </a:r>
             <a:r>
               <a:rPr lang="en-CA" kern="100" dirty="0"/>
-              <a:t> () method’s behavior is altered by using the Strategy pattern. </a:t>
+              <a:t> method’s behavior is altered by using the Strategy pattern. </a:t>
             </a:r>
           </a:p>
           <a:p>
@@ -18322,7 +18306,7 @@
             </a:r>
             <a:r>
               <a:rPr lang="en-CA" kern="100" dirty="0"/>
-              <a:t> () method. </a:t>
+              <a:t> method. </a:t>
             </a:r>
           </a:p>
           <a:p>
@@ -18332,21 +18316,53 @@
             </a:r>
           </a:p>
           <a:p>
+            <a:pPr marL="457200" indent="-457200">
+              <a:buFont typeface="Arial" panose="020B0604020202020204" pitchFamily="34" charset="0"/>
+              <a:buChar char="•"/>
+            </a:pPr>
             <a:r>
               <a:rPr lang="en-CA" kern="100" dirty="0"/>
-              <a:t>A human player.                           An aggressive player</a:t>
-            </a:r>
-          </a:p>
-          <a:p>
+              <a:t>Human player</a:t>
+            </a:r>
+          </a:p>
+          <a:p>
+            <a:pPr marL="457200" indent="-457200">
+              <a:buFont typeface="Arial" panose="020B0604020202020204" pitchFamily="34" charset="0"/>
+              <a:buChar char="•"/>
+            </a:pPr>
             <a:r>
               <a:rPr lang="en-CA" kern="100" dirty="0"/>
-              <a:t>A benevolent player                     A random player</a:t>
-            </a:r>
-          </a:p>
-          <a:p>
+              <a:t>Aggressive player</a:t>
+            </a:r>
+          </a:p>
+          <a:p>
+            <a:pPr marL="457200" indent="-457200">
+              <a:buFont typeface="Arial" panose="020B0604020202020204" pitchFamily="34" charset="0"/>
+              <a:buChar char="•"/>
+            </a:pPr>
             <a:r>
               <a:rPr lang="en-CA" kern="100" dirty="0"/>
-              <a:t>A cheater player</a:t>
+              <a:t>Benevolent player</a:t>
+            </a:r>
+          </a:p>
+          <a:p>
+            <a:pPr marL="457200" indent="-457200">
+              <a:buFont typeface="Arial" panose="020B0604020202020204" pitchFamily="34" charset="0"/>
+              <a:buChar char="•"/>
+            </a:pPr>
+            <a:r>
+              <a:rPr lang="en-CA" kern="100" dirty="0"/>
+              <a:t>Random player</a:t>
+            </a:r>
+          </a:p>
+          <a:p>
+            <a:pPr marL="457200" indent="-457200">
+              <a:buFont typeface="Arial" panose="020B0604020202020204" pitchFamily="34" charset="0"/>
+              <a:buChar char="•"/>
+            </a:pPr>
+            <a:r>
+              <a:rPr lang="en-CA" kern="100" dirty="0"/>
+              <a:t>Cheater player</a:t>
             </a:r>
           </a:p>
           <a:p>
@@ -18650,7 +18666,7 @@
         </p:blipFill>
         <p:spPr>
           <a:xfrm>
-            <a:off x="1186046" y="4181201"/>
+            <a:off x="658028" y="4181202"/>
             <a:ext cx="5813270" cy="1654175"/>
           </a:xfrm>
           <a:prstGeom prst="rect">
@@ -18686,8 +18702,8 @@
         </p:blipFill>
         <p:spPr>
           <a:xfrm>
-            <a:off x="7129646" y="1424667"/>
-            <a:ext cx="5943600" cy="4410710"/>
+            <a:off x="6687818" y="1907602"/>
+            <a:ext cx="5292826" cy="3927775"/>
           </a:xfrm>
           <a:prstGeom prst="rect">
             <a:avLst/>
@@ -18962,7 +18978,7 @@
         </p:blipFill>
         <p:spPr>
           <a:xfrm>
-            <a:off x="4038600" y="3586656"/>
+            <a:off x="2469925" y="3958445"/>
             <a:ext cx="7252149" cy="1631731"/>
           </a:xfrm>
           <a:prstGeom prst="rect">
@@ -19481,6 +19497,15 @@
 </file>
 
 <file path=customXml/item1.xml><?xml version="1.0" encoding="utf-8"?>
+<?mso-contentType ?>
+<FormTemplates xmlns="http://schemas.microsoft.com/sharepoint/v3/contenttype/forms">
+  <Display>DocumentLibraryForm</Display>
+  <Edit>DocumentLibraryForm</Edit>
+  <New>DocumentLibraryForm</New>
+</FormTemplates>
+</file>
+
+<file path=customXml/item2.xml><?xml version="1.0" encoding="utf-8"?>
 <p:properties xmlns:p="http://schemas.microsoft.com/office/2006/metadata/properties" xmlns:xsi="http://www.w3.org/2001/XMLSchema-instance" xmlns:pc="http://schemas.microsoft.com/office/infopath/2007/PartnerControls">
   <documentManagement>
     <_ip_UnifiedCompliancePolicyUIAction xmlns="http://schemas.microsoft.com/sharepoint/v3" xsi:nil="true"/>
@@ -19498,15 +19523,6 @@
     <Background xmlns="71af3243-3dd4-4a8d-8c0d-dd76da1f02a5">false</Background>
   </documentManagement>
 </p:properties>
-</file>
-
-<file path=customXml/item2.xml><?xml version="1.0" encoding="utf-8"?>
-<?mso-contentType ?>
-<FormTemplates xmlns="http://schemas.microsoft.com/sharepoint/v3/contenttype/forms">
-  <Display>DocumentLibraryForm</Display>
-  <Edit>DocumentLibraryForm</Edit>
-  <New>DocumentLibraryForm</New>
-</FormTemplates>
 </file>
 
 <file path=customXml/item3.xml><?xml version="1.0" encoding="utf-8"?>
@@ -19822,6 +19838,14 @@
 </file>
 
 <file path=customXml/itemProps1.xml><?xml version="1.0" encoding="utf-8"?>
+<ds:datastoreItem xmlns:ds="http://schemas.openxmlformats.org/officeDocument/2006/customXml" ds:itemID="{42076B5C-85B0-4D30-852D-5E5312EEA93B}">
+  <ds:schemaRefs>
+    <ds:schemaRef ds:uri="http://schemas.microsoft.com/sharepoint/v3/contenttype/forms"/>
+  </ds:schemaRefs>
+</ds:datastoreItem>
+</file>
+
+<file path=customXml/itemProps2.xml><?xml version="1.0" encoding="utf-8"?>
 <ds:datastoreItem xmlns:ds="http://schemas.openxmlformats.org/officeDocument/2006/customXml" ds:itemID="{1342FAFE-88B4-49B4-9588-86CB0E564E50}">
   <ds:schemaRefs>
     <ds:schemaRef ds:uri="http://schemas.microsoft.com/office/2006/metadata/properties"/>
@@ -19829,14 +19853,6 @@
     <ds:schemaRef ds:uri="http://schemas.microsoft.com/sharepoint/v3"/>
     <ds:schemaRef ds:uri="71af3243-3dd4-4a8d-8c0d-dd76da1f02a5"/>
     <ds:schemaRef ds:uri="230e9df3-be65-4c73-a93b-d1236ebd677e"/>
-  </ds:schemaRefs>
-</ds:datastoreItem>
-</file>
-
-<file path=customXml/itemProps2.xml><?xml version="1.0" encoding="utf-8"?>
-<ds:datastoreItem xmlns:ds="http://schemas.openxmlformats.org/officeDocument/2006/customXml" ds:itemID="{42076B5C-85B0-4D30-852D-5E5312EEA93B}">
-  <ds:schemaRefs>
-    <ds:schemaRef ds:uri="http://schemas.microsoft.com/sharepoint/v3/contenttype/forms"/>
   </ds:schemaRefs>
 </ds:datastoreItem>
 </file>
